--- a/ppt/webpack_seminar.pptx
+++ b/ppt/webpack_seminar.pptx
@@ -2179,8 +2179,8 @@
         </p:nvSpPr>
         <p:spPr>
           <a:xfrm>
-            <a:off x="4048482" y="3136613"/>
-            <a:ext cx="4094031" cy="584775"/>
+            <a:off x="0" y="3136613"/>
+            <a:ext cx="12192000" cy="584775"/>
           </a:xfrm>
           <a:prstGeom prst="rect">
             <a:avLst/>
@@ -2215,14 +2215,14 @@
               <a:t> </a:t>
             </a:r>
             <a:r>
-              <a:rPr lang="ko-KR" altLang="en-US" sz="3200" b="1" spc="300" dirty="0" smtClean="0">
+              <a:rPr lang="en-US" altLang="ko-KR" sz="3200" b="1" spc="300" dirty="0" smtClean="0">
                 <a:solidFill>
                   <a:srgbClr val="F15A3E"/>
                 </a:solidFill>
                 <a:latin typeface="나눔스퀘어 Bold" panose="020B0600000101010101" pitchFamily="50" charset="-127"/>
                 <a:ea typeface="나눔스퀘어 Bold" panose="020B0600000101010101" pitchFamily="50" charset="-127"/>
               </a:rPr>
-              <a:t>기초</a:t>
+              <a:t>Seminar</a:t>
             </a:r>
             <a:endParaRPr lang="ko-KR" altLang="en-US" sz="3200" b="1" spc="300" dirty="0">
               <a:solidFill>
@@ -2267,13 +2267,6 @@
               </a:rPr>
               <a:t>With. OOOOOOOOOOO</a:t>
             </a:r>
-            <a:endParaRPr lang="en-US" altLang="ko-KR" sz="1200" spc="100" dirty="0" smtClean="0">
-              <a:solidFill>
-                <a:schemeClr val="bg1"/>
-              </a:solidFill>
-              <a:latin typeface="나눔스퀘어 Light" panose="020B0600000101010101" pitchFamily="50" charset="-127"/>
-              <a:ea typeface="나눔스퀘어 Light" panose="020B0600000101010101" pitchFamily="50" charset="-127"/>
-            </a:endParaRPr>
           </a:p>
         </p:txBody>
       </p:sp>
@@ -4723,8 +4716,8 @@
         </p:nvSpPr>
         <p:spPr>
           <a:xfrm>
-            <a:off x="5239455" y="2815489"/>
-            <a:ext cx="1713098" cy="276999"/>
+            <a:off x="5317589" y="2815489"/>
+            <a:ext cx="1556837" cy="276999"/>
           </a:xfrm>
           <a:prstGeom prst="rect">
             <a:avLst/>
@@ -4746,7 +4739,7 @@
                 <a:latin typeface="나눔스퀘어 Light" panose="020B0600000101010101" pitchFamily="50" charset="-127"/>
                 <a:ea typeface="나눔스퀘어 Light" panose="020B0600000101010101" pitchFamily="50" charset="-127"/>
               </a:rPr>
-              <a:t>PONYBUHAGOM</a:t>
+              <a:t>2022. 00. 00</a:t>
             </a:r>
             <a:endParaRPr lang="ko-KR" altLang="en-US" sz="1200" spc="300" dirty="0">
               <a:solidFill>
@@ -4823,8 +4816,8 @@
         </p:nvSpPr>
         <p:spPr>
           <a:xfrm>
-            <a:off x="4453509" y="3769013"/>
-            <a:ext cx="3285002" cy="276999"/>
+            <a:off x="5382516" y="3769013"/>
+            <a:ext cx="1426994" cy="276999"/>
           </a:xfrm>
           <a:prstGeom prst="rect">
             <a:avLst/>
@@ -4846,8 +4839,15 @@
                 <a:latin typeface="나눔스퀘어 Light" panose="020B0600000101010101" pitchFamily="50" charset="-127"/>
                 <a:ea typeface="나눔스퀘어 Light" panose="020B0600000101010101" pitchFamily="50" charset="-127"/>
               </a:rPr>
-              <a:t>PONYBUHAGOM.TISTORY.COM/NUMBER</a:t>
+              <a:t>Speaker: Louis</a:t>
             </a:r>
+            <a:endParaRPr lang="en-US" altLang="ko-KR" sz="1200" spc="100" dirty="0" smtClean="0">
+              <a:solidFill>
+                <a:schemeClr val="bg1"/>
+              </a:solidFill>
+              <a:latin typeface="나눔스퀘어 Light" panose="020B0600000101010101" pitchFamily="50" charset="-127"/>
+              <a:ea typeface="나눔스퀘어 Light" panose="020B0600000101010101" pitchFamily="50" charset="-127"/>
+            </a:endParaRPr>
           </a:p>
         </p:txBody>
       </p:sp>
@@ -5126,7 +5126,7 @@
   <a:extraClrSchemeLst/>
   <a:extLst>
     <a:ext uri="{05A4C25C-085E-4340-85A3-A5531E510DB2}">
-      <thm15:themeFamily xmlns:thm15="http://schemas.microsoft.com/office/thememl/2012/main" xmlns="" name="Office Theme" id="{62F939B6-93AF-4DB8-9C6B-D6C7DFDC589F}" vid="{4A3C46E8-61CC-4603-A589-7422A47A8E4A}"/>
+      <thm15:themeFamily xmlns="" xmlns:thm15="http://schemas.microsoft.com/office/thememl/2012/main" name="Office Theme" id="{62F939B6-93AF-4DB8-9C6B-D6C7DFDC589F}" vid="{4A3C46E8-61CC-4603-A589-7422A47A8E4A}"/>
     </a:ext>
   </a:extLst>
 </a:theme>
@@ -5387,7 +5387,7 @@
   <a:extraClrSchemeLst/>
   <a:extLst>
     <a:ext uri="{05A4C25C-085E-4340-85A3-A5531E510DB2}">
-      <thm15:themeFamily xmlns:thm15="http://schemas.microsoft.com/office/thememl/2012/main" xmlns="" name="Office Theme" id="{62F939B6-93AF-4DB8-9C6B-D6C7DFDC589F}" vid="{4A3C46E8-61CC-4603-A589-7422A47A8E4A}"/>
+      <thm15:themeFamily xmlns="" xmlns:thm15="http://schemas.microsoft.com/office/thememl/2012/main" name="Office Theme" id="{62F939B6-93AF-4DB8-9C6B-D6C7DFDC589F}" vid="{4A3C46E8-61CC-4603-A589-7422A47A8E4A}"/>
     </a:ext>
   </a:extLst>
 </a:theme>
@@ -5648,7 +5648,7 @@
   <a:extraClrSchemeLst/>
   <a:extLst>
     <a:ext uri="{05A4C25C-085E-4340-85A3-A5531E510DB2}">
-      <thm15:themeFamily xmlns:thm15="http://schemas.microsoft.com/office/thememl/2012/main" xmlns="" name="Office Theme" id="{62F939B6-93AF-4DB8-9C6B-D6C7DFDC589F}" vid="{4A3C46E8-61CC-4603-A589-7422A47A8E4A}"/>
+      <thm15:themeFamily xmlns="" xmlns:thm15="http://schemas.microsoft.com/office/thememl/2012/main" name="Office Theme" id="{62F939B6-93AF-4DB8-9C6B-D6C7DFDC589F}" vid="{4A3C46E8-61CC-4603-A589-7422A47A8E4A}"/>
     </a:ext>
   </a:extLst>
 </a:theme>
